--- a/documentation/summer_2019.pptx
+++ b/documentation/summer_2019.pptx
@@ -189,7 +189,7 @@
 <file path=ppt/revisionInfo.xml><?xml version="1.0" encoding="utf-8"?>
 <p1510:revInfo xmlns:a="http://schemas.openxmlformats.org/drawingml/2006/main" xmlns:r="http://schemas.openxmlformats.org/officeDocument/2006/relationships" xmlns:p1510="http://schemas.microsoft.com/office/powerpoint/2015/10/main">
   <p1510:revLst>
-    <p1510:client id="{751CBDBD-8E63-4618-8687-7122E9E2E94B}" v="31" dt="2019-06-27T02:31:24.524"/>
+    <p1510:client id="{751CBDBD-8E63-4618-8687-7122E9E2E94B}" v="40" dt="2019-06-30T17:55:16.052"/>
   </p1510:revLst>
 </p1510:revInfo>
 </file>
@@ -203,104 +203,6 @@
       <pc:docMkLst>
         <pc:docMk/>
       </pc:docMkLst>
-      <pc:sldChg chg="del">
-        <pc:chgData name="Brian Cruikshank" userId="fa97a7a3-1af7-43ac-8832-c704388c03fb" providerId="ADAL" clId="{EB3A699A-0194-46DC-9379-2FFD36DBC71B}" dt="2019-06-26T16:34:12.658" v="0" actId="2696"/>
-        <pc:sldMkLst>
-          <pc:docMk/>
-          <pc:sldMk cId="1837935528" sldId="426"/>
-        </pc:sldMkLst>
-      </pc:sldChg>
-      <pc:sldChg chg="del">
-        <pc:chgData name="Brian Cruikshank" userId="fa97a7a3-1af7-43ac-8832-c704388c03fb" providerId="ADAL" clId="{EB3A699A-0194-46DC-9379-2FFD36DBC71B}" dt="2019-06-26T16:34:16.762" v="9" actId="2696"/>
-        <pc:sldMkLst>
-          <pc:docMk/>
-          <pc:sldMk cId="2851143627" sldId="599"/>
-        </pc:sldMkLst>
-      </pc:sldChg>
-      <pc:sldChg chg="del">
-        <pc:chgData name="Brian Cruikshank" userId="fa97a7a3-1af7-43ac-8832-c704388c03fb" providerId="ADAL" clId="{EB3A699A-0194-46DC-9379-2FFD36DBC71B}" dt="2019-06-26T16:34:16.747" v="8" actId="2696"/>
-        <pc:sldMkLst>
-          <pc:docMk/>
-          <pc:sldMk cId="1723372013" sldId="605"/>
-        </pc:sldMkLst>
-      </pc:sldChg>
-      <pc:sldChg chg="del">
-        <pc:chgData name="Brian Cruikshank" userId="fa97a7a3-1af7-43ac-8832-c704388c03fb" providerId="ADAL" clId="{EB3A699A-0194-46DC-9379-2FFD36DBC71B}" dt="2019-06-26T16:34:16.725" v="7" actId="2696"/>
-        <pc:sldMkLst>
-          <pc:docMk/>
-          <pc:sldMk cId="3443917936" sldId="606"/>
-        </pc:sldMkLst>
-      </pc:sldChg>
-      <pc:sldChg chg="del">
-        <pc:chgData name="Brian Cruikshank" userId="fa97a7a3-1af7-43ac-8832-c704388c03fb" providerId="ADAL" clId="{EB3A699A-0194-46DC-9379-2FFD36DBC71B}" dt="2019-06-26T16:34:16.811" v="12" actId="2696"/>
-        <pc:sldMkLst>
-          <pc:docMk/>
-          <pc:sldMk cId="1261223490" sldId="608"/>
-        </pc:sldMkLst>
-      </pc:sldChg>
-      <pc:sldChg chg="del">
-        <pc:chgData name="Brian Cruikshank" userId="fa97a7a3-1af7-43ac-8832-c704388c03fb" providerId="ADAL" clId="{EB3A699A-0194-46DC-9379-2FFD36DBC71B}" dt="2019-06-26T16:34:16.855" v="14" actId="2696"/>
-        <pc:sldMkLst>
-          <pc:docMk/>
-          <pc:sldMk cId="635892247" sldId="611"/>
-        </pc:sldMkLst>
-      </pc:sldChg>
-      <pc:sldChg chg="del">
-        <pc:chgData name="Brian Cruikshank" userId="fa97a7a3-1af7-43ac-8832-c704388c03fb" providerId="ADAL" clId="{EB3A699A-0194-46DC-9379-2FFD36DBC71B}" dt="2019-06-26T16:34:16.870" v="15" actId="2696"/>
-        <pc:sldMkLst>
-          <pc:docMk/>
-          <pc:sldMk cId="4082806461" sldId="612"/>
-        </pc:sldMkLst>
-      </pc:sldChg>
-      <pc:sldChg chg="del">
-        <pc:chgData name="Brian Cruikshank" userId="fa97a7a3-1af7-43ac-8832-c704388c03fb" providerId="ADAL" clId="{EB3A699A-0194-46DC-9379-2FFD36DBC71B}" dt="2019-06-26T16:34:12.704" v="2" actId="2696"/>
-        <pc:sldMkLst>
-          <pc:docMk/>
-          <pc:sldMk cId="4101185225" sldId="613"/>
-        </pc:sldMkLst>
-      </pc:sldChg>
-      <pc:sldChg chg="del">
-        <pc:chgData name="Brian Cruikshank" userId="fa97a7a3-1af7-43ac-8832-c704388c03fb" providerId="ADAL" clId="{EB3A699A-0194-46DC-9379-2FFD36DBC71B}" dt="2019-06-26T16:34:12.671" v="1" actId="2696"/>
-        <pc:sldMkLst>
-          <pc:docMk/>
-          <pc:sldMk cId="732124739" sldId="615"/>
-        </pc:sldMkLst>
-      </pc:sldChg>
-      <pc:sldChg chg="del">
-        <pc:chgData name="Brian Cruikshank" userId="fa97a7a3-1af7-43ac-8832-c704388c03fb" providerId="ADAL" clId="{EB3A699A-0194-46DC-9379-2FFD36DBC71B}" dt="2019-06-26T16:34:16.787" v="11" actId="2696"/>
-        <pc:sldMkLst>
-          <pc:docMk/>
-          <pc:sldMk cId="69876073" sldId="620"/>
-        </pc:sldMkLst>
-      </pc:sldChg>
-      <pc:sldChg chg="del">
-        <pc:chgData name="Brian Cruikshank" userId="fa97a7a3-1af7-43ac-8832-c704388c03fb" providerId="ADAL" clId="{EB3A699A-0194-46DC-9379-2FFD36DBC71B}" dt="2019-06-26T16:34:12.735" v="4" actId="2696"/>
-        <pc:sldMkLst>
-          <pc:docMk/>
-          <pc:sldMk cId="867489228" sldId="621"/>
-        </pc:sldMkLst>
-      </pc:sldChg>
-      <pc:sldChg chg="del">
-        <pc:chgData name="Brian Cruikshank" userId="fa97a7a3-1af7-43ac-8832-c704388c03fb" providerId="ADAL" clId="{EB3A699A-0194-46DC-9379-2FFD36DBC71B}" dt="2019-06-26T16:34:16.831" v="13" actId="2696"/>
-        <pc:sldMkLst>
-          <pc:docMk/>
-          <pc:sldMk cId="2378482008" sldId="622"/>
-        </pc:sldMkLst>
-      </pc:sldChg>
-      <pc:sldChg chg="del">
-        <pc:chgData name="Brian Cruikshank" userId="fa97a7a3-1af7-43ac-8832-c704388c03fb" providerId="ADAL" clId="{EB3A699A-0194-46DC-9379-2FFD36DBC71B}" dt="2019-06-26T16:34:16.773" v="10" actId="2696"/>
-        <pc:sldMkLst>
-          <pc:docMk/>
-          <pc:sldMk cId="735780547" sldId="623"/>
-        </pc:sldMkLst>
-      </pc:sldChg>
-      <pc:sldChg chg="del">
-        <pc:chgData name="Brian Cruikshank" userId="fa97a7a3-1af7-43ac-8832-c704388c03fb" providerId="ADAL" clId="{EB3A699A-0194-46DC-9379-2FFD36DBC71B}" dt="2019-06-26T16:34:16.705" v="6" actId="2696"/>
-        <pc:sldMkLst>
-          <pc:docMk/>
-          <pc:sldMk cId="1334760135" sldId="625"/>
-        </pc:sldMkLst>
-      </pc:sldChg>
       <pc:sldChg chg="modSp add">
         <pc:chgData name="Brian Cruikshank" userId="fa97a7a3-1af7-43ac-8832-c704388c03fb" providerId="ADAL" clId="{EB3A699A-0194-46DC-9379-2FFD36DBC71B}" dt="2019-06-26T16:59:05.229" v="546" actId="20577"/>
         <pc:sldMkLst>
@@ -323,13 +225,6 @@
             <ac:spMk id="3" creationId="{B6F16A2B-5C90-4E19-918E-31F8E2F1731B}"/>
           </ac:spMkLst>
         </pc:spChg>
-      </pc:sldChg>
-      <pc:sldChg chg="del">
-        <pc:chgData name="Brian Cruikshank" userId="fa97a7a3-1af7-43ac-8832-c704388c03fb" providerId="ADAL" clId="{EB3A699A-0194-46DC-9379-2FFD36DBC71B}" dt="2019-06-26T16:34:16.693" v="5" actId="2696"/>
-        <pc:sldMkLst>
-          <pc:docMk/>
-          <pc:sldMk cId="2963200446" sldId="626"/>
-        </pc:sldMkLst>
       </pc:sldChg>
       <pc:sldChg chg="modSp add">
         <pc:chgData name="Brian Cruikshank" userId="fa97a7a3-1af7-43ac-8832-c704388c03fb" providerId="ADAL" clId="{EB3A699A-0194-46DC-9379-2FFD36DBC71B}" dt="2019-06-26T21:35:41.233" v="938" actId="20577"/>
@@ -376,13 +271,6 @@
             <ac:spMk id="3" creationId="{5F1E30C4-783B-4FF3-BB13-0B3072E33191}"/>
           </ac:spMkLst>
         </pc:spChg>
-      </pc:sldChg>
-      <pc:sldChg chg="del">
-        <pc:chgData name="Brian Cruikshank" userId="fa97a7a3-1af7-43ac-8832-c704388c03fb" providerId="ADAL" clId="{EB3A699A-0194-46DC-9379-2FFD36DBC71B}" dt="2019-06-26T16:34:12.717" v="3" actId="2696"/>
-        <pc:sldMkLst>
-          <pc:docMk/>
-          <pc:sldMk cId="1338368082" sldId="627"/>
-        </pc:sldMkLst>
       </pc:sldChg>
       <pc:sldChg chg="modSp add">
         <pc:chgData name="Brian Cruikshank" userId="fa97a7a3-1af7-43ac-8832-c704388c03fb" providerId="ADAL" clId="{EB3A699A-0194-46DC-9379-2FFD36DBC71B}" dt="2019-06-26T16:44:41.588" v="433" actId="20577"/>
@@ -527,7 +415,7 @@
   <pc:docChgLst>
     <pc:chgData name="Brian Cruikshank" userId="fa97a7a3-1af7-43ac-8832-c704388c03fb" providerId="ADAL" clId="{751CBDBD-8E63-4618-8687-7122E9E2E94B}"/>
     <pc:docChg chg="custSel modSld">
-      <pc:chgData name="Brian Cruikshank" userId="fa97a7a3-1af7-43ac-8832-c704388c03fb" providerId="ADAL" clId="{751CBDBD-8E63-4618-8687-7122E9E2E94B}" dt="2019-06-27T04:47:56.993" v="441" actId="20577"/>
+      <pc:chgData name="Brian Cruikshank" userId="fa97a7a3-1af7-43ac-8832-c704388c03fb" providerId="ADAL" clId="{751CBDBD-8E63-4618-8687-7122E9E2E94B}" dt="2019-06-30T17:55:15.986" v="551" actId="20577"/>
       <pc:docMkLst>
         <pc:docMk/>
       </pc:docMkLst>
@@ -562,17 +450,32 @@
         </pc:spChg>
       </pc:sldChg>
       <pc:sldChg chg="modSp">
-        <pc:chgData name="Brian Cruikshank" userId="fa97a7a3-1af7-43ac-8832-c704388c03fb" providerId="ADAL" clId="{751CBDBD-8E63-4618-8687-7122E9E2E94B}" dt="2019-06-27T04:47:56.993" v="441" actId="20577"/>
+        <pc:chgData name="Brian Cruikshank" userId="fa97a7a3-1af7-43ac-8832-c704388c03fb" providerId="ADAL" clId="{751CBDBD-8E63-4618-8687-7122E9E2E94B}" dt="2019-06-30T16:05:43.006" v="519" actId="20577"/>
         <pc:sldMkLst>
           <pc:docMk/>
           <pc:sldMk cId="80009894" sldId="627"/>
         </pc:sldMkLst>
         <pc:spChg chg="mod">
-          <ac:chgData name="Brian Cruikshank" userId="fa97a7a3-1af7-43ac-8832-c704388c03fb" providerId="ADAL" clId="{751CBDBD-8E63-4618-8687-7122E9E2E94B}" dt="2019-06-27T04:47:56.993" v="441" actId="20577"/>
+          <ac:chgData name="Brian Cruikshank" userId="fa97a7a3-1af7-43ac-8832-c704388c03fb" providerId="ADAL" clId="{751CBDBD-8E63-4618-8687-7122E9E2E94B}" dt="2019-06-30T16:05:43.006" v="519" actId="20577"/>
           <ac:spMkLst>
             <pc:docMk/>
             <pc:sldMk cId="80009894" sldId="627"/>
             <ac:spMk id="3" creationId="{5F1E30C4-783B-4FF3-BB13-0B3072E33191}"/>
+          </ac:spMkLst>
+        </pc:spChg>
+      </pc:sldChg>
+      <pc:sldChg chg="modSp">
+        <pc:chgData name="Brian Cruikshank" userId="fa97a7a3-1af7-43ac-8832-c704388c03fb" providerId="ADAL" clId="{751CBDBD-8E63-4618-8687-7122E9E2E94B}" dt="2019-06-30T17:55:15.986" v="551" actId="20577"/>
+        <pc:sldMkLst>
+          <pc:docMk/>
+          <pc:sldMk cId="2653491756" sldId="630"/>
+        </pc:sldMkLst>
+        <pc:spChg chg="mod">
+          <ac:chgData name="Brian Cruikshank" userId="fa97a7a3-1af7-43ac-8832-c704388c03fb" providerId="ADAL" clId="{751CBDBD-8E63-4618-8687-7122E9E2E94B}" dt="2019-06-30T17:55:15.986" v="551" actId="20577"/>
+          <ac:spMkLst>
+            <pc:docMk/>
+            <pc:sldMk cId="2653491756" sldId="630"/>
+            <ac:spMk id="3" creationId="{CDE1909A-C432-4418-9CF4-1FAF3041C89C}"/>
           </ac:spMkLst>
         </pc:spChg>
       </pc:sldChg>
@@ -14962,7 +14865,7 @@
         <p:spPr/>
         <p:txBody>
           <a:bodyPr>
-            <a:normAutofit fontScale="40000" lnSpcReduction="20000"/>
+            <a:normAutofit fontScale="32500" lnSpcReduction="20000"/>
           </a:bodyPr>
           <a:lstStyle/>
           <a:p>
@@ -14982,6 +14885,9 @@
             <a:endParaRPr lang="en-US" dirty="0"/>
           </a:p>
           <a:p>
+            <a:pPr marL="0" indent="0">
+              <a:buNone/>
+            </a:pPr>
             <a:r>
               <a:rPr lang="en-US" dirty="0"/>
               <a:t>Videos on Boom</a:t>
@@ -15039,6 +14945,9 @@
             </a:r>
           </a:p>
           <a:p>
+            <a:pPr marL="0" indent="0">
+              <a:buNone/>
+            </a:pPr>
             <a:r>
               <a:rPr lang="en-US" dirty="0"/>
               <a:t>About </a:t>
@@ -15077,6 +14986,9 @@
             </a:r>
           </a:p>
           <a:p>
+            <a:pPr marL="0" indent="0">
+              <a:buNone/>
+            </a:pPr>
             <a:r>
               <a:rPr lang="en-US" dirty="0" err="1"/>
               <a:t>riscv</a:t>
@@ -15113,6 +15025,9 @@
             </a:r>
           </a:p>
           <a:p>
+            <a:pPr marL="0" indent="0">
+              <a:buNone/>
+            </a:pPr>
             <a:r>
               <a:rPr lang="en-US" dirty="0"/>
               <a:t>Boom documentation on how the Core Processor works</a:t>
@@ -15149,69 +15064,161 @@
             <a:pPr marL="0" indent="0">
               <a:buNone/>
             </a:pPr>
+            <a:endParaRPr lang="en-US" dirty="0"/>
+          </a:p>
+          <a:p>
+            <a:pPr marL="0" indent="0">
+              <a:buNone/>
+            </a:pPr>
             <a:r>
               <a:rPr lang="en-US" dirty="0"/>
-              <a:t> </a:t>
-            </a:r>
-          </a:p>
-          <a:p>
-            <a:r>
-              <a:rPr lang="en-US" dirty="0"/>
-              <a:t>Git Clones for Builds</a:t>
-            </a:r>
-          </a:p>
-          <a:p>
-            <a:r>
-              <a:rPr lang="en-US" dirty="0"/>
-              <a:t>git clone </a:t>
-            </a:r>
+              <a:t>Rocket-Chip Documentation</a:t>
+            </a:r>
+          </a:p>
+          <a:p>
             <a:r>
               <a:rPr lang="en-US" dirty="0">
                 <a:hlinkClick r:id="rId10"/>
               </a:rPr>
-              <a:t>https://github.com/ucb-bar/rocket-chip.git</a:t>
+              <a:t>https://github.com/chipsalliance/rocket-chip/blob/master/README</a:t>
+            </a:r>
+            <a:r>
+              <a:rPr lang="en-US">
+                <a:hlinkClick r:id="rId10"/>
+              </a:rPr>
+              <a:t>.md</a:t>
+            </a:r>
+            <a:r>
+              <a:rPr lang="en-US"/>
+              <a:t> </a:t>
             </a:r>
             <a:endParaRPr lang="en-US" dirty="0"/>
           </a:p>
           <a:p>
-            <a:r>
-              <a:rPr lang="en-US" dirty="0"/>
-              <a:t>git clone </a:t>
-            </a:r>
             <a:r>
               <a:rPr lang="en-US" dirty="0">
                 <a:hlinkClick r:id="rId11"/>
               </a:rPr>
-              <a:t>https://github.com/riscv-boom/boom-template.git</a:t>
+              <a:t>https://www.lowrisc.org/docs/untether-v0.2/</a:t>
             </a:r>
             <a:endParaRPr lang="en-US" dirty="0"/>
           </a:p>
           <a:p>
-            <a:r>
-              <a:rPr lang="en-US" dirty="0"/>
-              <a:t>Mentions making a </a:t>
-            </a:r>
-            <a:r>
-              <a:rPr lang="en-US" dirty="0" err="1"/>
-              <a:t>fpga</a:t>
-            </a:r>
-            <a:r>
-              <a:rPr lang="en-US" dirty="0"/>
-              <a:t> and </a:t>
-            </a:r>
-            <a:r>
-              <a:rPr lang="en-US" dirty="0" err="1"/>
-              <a:t>vlsi</a:t>
-            </a:r>
-            <a:r>
-              <a:rPr lang="en-US" dirty="0"/>
-              <a:t> version of rocket chip: </a:t>
-            </a:r>
             <a:r>
               <a:rPr lang="en-US" dirty="0">
                 <a:hlinkClick r:id="rId12"/>
               </a:rPr>
+              <a:t>http://www-inst.eecs.berkeley.edu/~cs250/fa13/handouts/lab2-riscv.pdf#13</a:t>
+            </a:r>
+            <a:r>
+              <a:rPr lang="en-US" dirty="0"/>
+              <a:t> </a:t>
+            </a:r>
+          </a:p>
+          <a:p>
+            <a:pPr marL="0" indent="0">
+              <a:buNone/>
+            </a:pPr>
+            <a:r>
+              <a:rPr lang="en-US" dirty="0"/>
+              <a:t> </a:t>
+            </a:r>
+          </a:p>
+          <a:p>
+            <a:pPr marL="0" indent="0">
+              <a:buNone/>
+            </a:pPr>
+            <a:endParaRPr lang="en-US" dirty="0"/>
+          </a:p>
+          <a:p>
+            <a:pPr marL="0" indent="0">
+              <a:buNone/>
+            </a:pPr>
+            <a:r>
+              <a:rPr lang="en-US" dirty="0"/>
+              <a:t>Git Clones for Builds</a:t>
+            </a:r>
+          </a:p>
+          <a:p>
+            <a:r>
+              <a:rPr lang="en-US" dirty="0"/>
+              <a:t>git clone </a:t>
+            </a:r>
+            <a:r>
+              <a:rPr lang="en-US" dirty="0">
+                <a:hlinkClick r:id="rId13"/>
+              </a:rPr>
+              <a:t>https://github.com/ucb-bar/rocket-chip.git</a:t>
+            </a:r>
+            <a:endParaRPr lang="en-US" dirty="0"/>
+          </a:p>
+          <a:p>
+            <a:r>
+              <a:rPr lang="en-US" dirty="0"/>
+              <a:t>git clone </a:t>
+            </a:r>
+            <a:r>
+              <a:rPr lang="en-US" dirty="0">
+                <a:hlinkClick r:id="rId14"/>
+              </a:rPr>
+              <a:t>https://github.com/riscv-boom/boom-template.git</a:t>
+            </a:r>
+            <a:endParaRPr lang="en-US" dirty="0"/>
+          </a:p>
+          <a:p>
+            <a:r>
+              <a:rPr lang="en-US" dirty="0"/>
+              <a:t>Mentions making a </a:t>
+            </a:r>
+            <a:r>
+              <a:rPr lang="en-US" dirty="0" err="1"/>
+              <a:t>fpga</a:t>
+            </a:r>
+            <a:r>
+              <a:rPr lang="en-US" dirty="0"/>
+              <a:t> and </a:t>
+            </a:r>
+            <a:r>
+              <a:rPr lang="en-US" dirty="0" err="1"/>
+              <a:t>vlsi</a:t>
+            </a:r>
+            <a:r>
+              <a:rPr lang="en-US" dirty="0"/>
+              <a:t> version of rocket chip: </a:t>
+            </a:r>
+            <a:r>
+              <a:rPr lang="en-US" dirty="0">
+                <a:hlinkClick r:id="rId15"/>
+              </a:rPr>
               <a:t>https://github.com/freechipsproject/rocket-chip</a:t>
+            </a:r>
+            <a:endParaRPr lang="en-US" dirty="0"/>
+          </a:p>
+          <a:p>
+            <a:endParaRPr lang="en-US" dirty="0"/>
+          </a:p>
+          <a:p>
+            <a:pPr marL="0" indent="0">
+              <a:buNone/>
+            </a:pPr>
+            <a:r>
+              <a:rPr lang="en-US" dirty="0" err="1"/>
+              <a:t>Risc</a:t>
+            </a:r>
+            <a:r>
+              <a:rPr lang="en-US" dirty="0"/>
+              <a:t> V google groups:</a:t>
+            </a:r>
+          </a:p>
+          <a:p>
+            <a:pPr marL="0" indent="0">
+              <a:buNone/>
+            </a:pPr>
+            <a:r>
+              <a:rPr lang="en-US" dirty="0">
+                <a:hlinkClick r:id="rId16"/>
+              </a:rPr>
+              <a:t>https://groups.google.com/a/groups.riscv.org/forum/#!forum/hw-dev</a:t>
             </a:r>
             <a:endParaRPr lang="en-US" dirty="0"/>
           </a:p>
@@ -16253,7 +16260,18 @@
               <a:rPr lang="en-US" dirty="0" err="1"/>
               <a:t>src</a:t>
             </a:r>
-            <a:endParaRPr lang="en-US" dirty="0"/>
+            <a:r>
+              <a:rPr lang="en-US" dirty="0"/>
+              <a:t> (module top: </a:t>
+            </a:r>
+            <a:r>
+              <a:rPr lang="en-US" dirty="0" err="1"/>
+              <a:t>ExampleRocketSystem</a:t>
+            </a:r>
+            <a:r>
+              <a:rPr lang="en-US" dirty="0"/>
+              <a:t> )</a:t>
+            </a:r>
           </a:p>
           <a:p>
             <a:pPr lvl="1"/>
@@ -16281,7 +16299,18 @@
               <a:rPr lang="en-US" dirty="0" err="1"/>
               <a:t>src</a:t>
             </a:r>
-            <a:endParaRPr lang="en-US" dirty="0"/>
+            <a:r>
+              <a:rPr lang="en-US" dirty="0"/>
+              <a:t> (module top: </a:t>
+            </a:r>
+            <a:r>
+              <a:rPr lang="en-US" dirty="0" err="1"/>
+              <a:t>ExampleBoomSystem</a:t>
+            </a:r>
+            <a:r>
+              <a:rPr lang="en-US" dirty="0"/>
+              <a:t> )</a:t>
+            </a:r>
           </a:p>
           <a:p>
             <a:r>

--- a/documentation/summer_2019.pptx
+++ b/documentation/summer_2019.pptx
@@ -16042,7 +16042,7 @@
         <p:spPr/>
         <p:txBody>
           <a:bodyPr>
-            <a:normAutofit fontScale="55000" lnSpcReduction="20000"/>
+            <a:normAutofit fontScale="47500" lnSpcReduction="20000"/>
           </a:bodyPr>
           <a:lstStyle/>
           <a:p>
@@ -16313,6 +16313,41 @@
             </a:r>
           </a:p>
           <a:p>
+            <a:pPr lvl="1"/>
+            <a:r>
+              <a:rPr lang="en-US" dirty="0"/>
+              <a:t>/pkgs/</a:t>
+            </a:r>
+            <a:r>
+              <a:rPr lang="en-US" dirty="0" err="1"/>
+              <a:t>riscv</a:t>
+            </a:r>
+            <a:r>
+              <a:rPr lang="en-US" dirty="0"/>
+              <a:t>/rocket-chip/</a:t>
+            </a:r>
+            <a:r>
+              <a:rPr lang="en-US" dirty="0" err="1"/>
+              <a:t>src</a:t>
+            </a:r>
+            <a:r>
+              <a:rPr lang="en-US" dirty="0"/>
+              <a:t>/main/resources/</a:t>
+            </a:r>
+            <a:r>
+              <a:rPr lang="en-US" dirty="0" err="1"/>
+              <a:t>vsrc</a:t>
+            </a:r>
+            <a:endParaRPr lang="en-US" dirty="0"/>
+          </a:p>
+          <a:p>
+            <a:pPr lvl="1"/>
+            <a:r>
+              <a:rPr lang="en-US" dirty="0"/>
+              <a:t>SYNTHESIS `define needs to be set</a:t>
+            </a:r>
+          </a:p>
+          <a:p>
             <a:r>
               <a:rPr lang="en-US" dirty="0"/>
               <a:t>Scala example (but don’t dig here too much.  Other items more important)</a:t>
@@ -16395,10 +16430,12 @@
             </a:r>
             <a:r>
               <a:rPr lang="en-US" dirty="0"/>
-              <a:t>?  Documentation?</a:t>
-            </a:r>
-          </a:p>
-          <a:p>
+              <a:t>?  </a:t>
+            </a:r>
+            <a:r>
+              <a:rPr lang="en-US"/>
+              <a:t>Documentation?</a:t>
+            </a:r>
             <a:endParaRPr lang="en-US" dirty="0"/>
           </a:p>
         </p:txBody>
@@ -16519,7 +16556,7 @@
         <p:spPr/>
         <p:txBody>
           <a:bodyPr>
-            <a:normAutofit fontScale="77500" lnSpcReduction="20000"/>
+            <a:normAutofit fontScale="62500" lnSpcReduction="20000"/>
           </a:bodyPr>
           <a:lstStyle/>
           <a:p>
@@ -16588,6 +16625,42 @@
             <a:r>
               <a:rPr lang="en-US" dirty="0"/>
               <a:t>Memories will not exactly fit needs.  You will need to combine or make larger.</a:t>
+            </a:r>
+          </a:p>
+          <a:p>
+            <a:pPr lvl="1"/>
+            <a:r>
+              <a:rPr lang="en-US" dirty="0"/>
+              <a:t>First memory is 512x256 bits</a:t>
+            </a:r>
+          </a:p>
+          <a:p>
+            <a:pPr lvl="1"/>
+            <a:r>
+              <a:rPr lang="en-US" dirty="0"/>
+              <a:t>On the first memory, there are write masks for each byte.  Our memories don’t support byte masks.  Make 32 separate memory for each.</a:t>
+            </a:r>
+          </a:p>
+          <a:p>
+            <a:pPr lvl="1"/>
+            <a:r>
+              <a:rPr lang="en-US" dirty="0"/>
+              <a:t>512 deep and 128 is the max </a:t>
+            </a:r>
+            <a:r>
+              <a:rPr lang="en-US" dirty="0" err="1"/>
+              <a:t>sram</a:t>
+            </a:r>
+            <a:r>
+              <a:rPr lang="en-US" dirty="0"/>
+              <a:t> compiler depth, so that will take 4.</a:t>
+            </a:r>
+          </a:p>
+          <a:p>
+            <a:pPr lvl="1"/>
+            <a:r>
+              <a:rPr lang="en-US" dirty="0"/>
+              <a:t>So initial thoughts are 32x4=128 separate 128x8 memories wrapped together.</a:t>
             </a:r>
           </a:p>
           <a:p>
